--- a/FTC Workshops/FTC 5 – Command Based Programming.pptx
+++ b/FTC Workshops/FTC 5 – Command Based Programming.pptx
@@ -114,12 +114,42 @@
       </a:defRPr>
     </a:lvl9pPr>
   </p:defaultTextStyle>
+  <p:modifyVerifier cryptProviderType="rsaAES" cryptAlgorithmClass="hash" cryptAlgorithmType="typeAny" cryptAlgorithmSid="14" spinCount="100000" saltData="cANc2NvDzY45grlL5JZ6CA==" hashData="9iHfsdFJTMuTLyoxkJM8q6ljue3HFLSegUv/mwmG9Qrwqw5phIXTtMQSJuLUAFLcoYiir3XxcggI7wTb9Ig5BA=="/>
   <p:extLst>
     <p:ext uri="{EFAFB233-063F-42B5-8137-9DF3F51BA10A}">
       <p15:sldGuideLst xmlns:p15="http://schemas.microsoft.com/office/powerpoint/2012/main"/>
     </p:ext>
   </p:extLst>
 </p:presentation>
+</file>
+
+<file path=ppt/changesInfos/changesInfo1.xml><?xml version="1.0" encoding="utf-8"?>
+<pc:chgInfo xmlns:a="http://schemas.openxmlformats.org/drawingml/2006/main" xmlns:r="http://schemas.openxmlformats.org/officeDocument/2006/relationships" xmlns:ac="http://schemas.microsoft.com/office/drawing/2013/main/command" xmlns:pc="http://schemas.microsoft.com/office/powerpoint/2013/main/command">
+  <pc:docChgLst>
+    <pc:chgData name="Ben Schwarz" userId="f7e4876d-a28c-4f6b-b399-7cce7f715846" providerId="ADAL" clId="{642D3EE7-506A-408B-828B-97275E223DCC}"/>
+    <pc:docChg chg="custSel modSld">
+      <pc:chgData name="Ben Schwarz" userId="f7e4876d-a28c-4f6b-b399-7cce7f715846" providerId="ADAL" clId="{642D3EE7-506A-408B-828B-97275E223DCC}" dt="2019-12-05T06:46:03.516" v="2" actId="20577"/>
+      <pc:docMkLst>
+        <pc:docMk/>
+      </pc:docMkLst>
+      <pc:sldChg chg="modSp">
+        <pc:chgData name="Ben Schwarz" userId="f7e4876d-a28c-4f6b-b399-7cce7f715846" providerId="ADAL" clId="{642D3EE7-506A-408B-828B-97275E223DCC}" dt="2019-12-05T06:46:03.516" v="2" actId="20577"/>
+        <pc:sldMkLst>
+          <pc:docMk/>
+          <pc:sldMk cId="3274758145" sldId="265"/>
+        </pc:sldMkLst>
+        <pc:spChg chg="mod">
+          <ac:chgData name="Ben Schwarz" userId="f7e4876d-a28c-4f6b-b399-7cce7f715846" providerId="ADAL" clId="{642D3EE7-506A-408B-828B-97275E223DCC}" dt="2019-12-05T06:46:03.516" v="2" actId="20577"/>
+          <ac:spMkLst>
+            <pc:docMk/>
+            <pc:sldMk cId="3274758145" sldId="265"/>
+            <ac:spMk id="3" creationId="{30E81635-5CAA-4889-8113-C83FEEA5345B}"/>
+          </ac:spMkLst>
+        </pc:spChg>
+      </pc:sldChg>
+    </pc:docChg>
+  </pc:docChgLst>
+</pc:chgInfo>
 </file>
 
 <file path=ppt/slideLayouts/slideLayout1.xml><?xml version="1.0" encoding="utf-8"?>
@@ -2030,7 +2060,7 @@
           <a:p>
             <a:fld id="{6307B6E2-F1C5-4260-9690-B820744F5C71}" type="datetimeFigureOut">
               <a:rPr lang="en-AU" smtClean="0"/>
-              <a:t>3/12/2019</a:t>
+              <a:t>5/12/2019</a:t>
             </a:fld>
             <a:endParaRPr lang="en-AU"/>
           </a:p>
@@ -2554,7 +2584,7 @@
           <a:p>
             <a:fld id="{6307B6E2-F1C5-4260-9690-B820744F5C71}" type="datetimeFigureOut">
               <a:rPr lang="en-AU" smtClean="0"/>
-              <a:t>3/12/2019</a:t>
+              <a:t>5/12/2019</a:t>
             </a:fld>
             <a:endParaRPr lang="en-AU"/>
           </a:p>
@@ -3204,39 +3234,13 @@
         <p:spPr/>
         <p:txBody>
           <a:bodyPr>
-            <a:normAutofit fontScale="92500"/>
+            <a:normAutofit/>
           </a:bodyPr>
           <a:lstStyle/>
           <a:p>
             <a:r>
               <a:rPr lang="en-AU" dirty="0"/>
               <a:t>This library is an attempt to help you for the build season to make you better equipped to contribute meaningfully.</a:t>
-            </a:r>
-          </a:p>
-          <a:p>
-            <a:r>
-              <a:rPr lang="en-AU" b="1" dirty="0"/>
-              <a:t>However, </a:t>
-            </a:r>
-            <a:r>
-              <a:rPr lang="en-AU" dirty="0"/>
-              <a:t>this library is new, and far more testing needs to take place, and features still need to be added.</a:t>
-            </a:r>
-          </a:p>
-          <a:p>
-            <a:r>
-              <a:rPr lang="en-AU" b="1" dirty="0"/>
-              <a:t>If you find a bug or have a feature request –</a:t>
-            </a:r>
-            <a:r>
-              <a:rPr lang="en-AU" dirty="0"/>
-              <a:t> let me know and I will fix the bug ASAP, and get around to adding the feature.</a:t>
-            </a:r>
-          </a:p>
-          <a:p>
-            <a:r>
-              <a:rPr lang="en-AU" dirty="0"/>
-              <a:t>Also, whenever a new version of Spiderling is released, I will place a message in the programming channel (make sure to check regularly for those).</a:t>
             </a:r>
           </a:p>
           <a:p>
